--- a/최종발표/Electronic  Drum ♬.pptx
+++ b/최종발표/Electronic  Drum ♬.pptx
@@ -511,7 +511,7 @@
             <a:fld id="{62A79AEA-3BAC-4F9F-AF7B-AC94F9972022}" type="datetimeFigureOut">
               <a:rPr lang="ko-KR" altLang="en-US" smtClean="0"/>
               <a:pPr/>
-              <a:t>2016-12-16</a:t>
+              <a:t>2016-12-20</a:t>
             </a:fld>
             <a:endParaRPr lang="ko-KR" altLang="en-US"/>
           </a:p>
@@ -678,7 +678,7 @@
             <a:fld id="{62A79AEA-3BAC-4F9F-AF7B-AC94F9972022}" type="datetimeFigureOut">
               <a:rPr lang="ko-KR" altLang="en-US" smtClean="0"/>
               <a:pPr/>
-              <a:t>2016-12-16</a:t>
+              <a:t>2016-12-20</a:t>
             </a:fld>
             <a:endParaRPr lang="ko-KR" altLang="en-US"/>
           </a:p>
@@ -855,7 +855,7 @@
             <a:fld id="{62A79AEA-3BAC-4F9F-AF7B-AC94F9972022}" type="datetimeFigureOut">
               <a:rPr lang="ko-KR" altLang="en-US" smtClean="0"/>
               <a:pPr/>
-              <a:t>2016-12-16</a:t>
+              <a:t>2016-12-20</a:t>
             </a:fld>
             <a:endParaRPr lang="ko-KR" altLang="en-US"/>
           </a:p>
@@ -1026,7 +1026,7 @@
             <a:fld id="{62A79AEA-3BAC-4F9F-AF7B-AC94F9972022}" type="datetimeFigureOut">
               <a:rPr lang="ko-KR" altLang="en-US" smtClean="0"/>
               <a:pPr/>
-              <a:t>2016-12-16</a:t>
+              <a:t>2016-12-20</a:t>
             </a:fld>
             <a:endParaRPr lang="ko-KR" altLang="en-US"/>
           </a:p>
@@ -1478,7 +1478,7 @@
             <a:fld id="{62A79AEA-3BAC-4F9F-AF7B-AC94F9972022}" type="datetimeFigureOut">
               <a:rPr lang="ko-KR" altLang="en-US" smtClean="0"/>
               <a:pPr/>
-              <a:t>2016-12-16</a:t>
+              <a:t>2016-12-20</a:t>
             </a:fld>
             <a:endParaRPr lang="ko-KR" altLang="en-US"/>
           </a:p>
@@ -1744,7 +1744,7 @@
             <a:fld id="{62A79AEA-3BAC-4F9F-AF7B-AC94F9972022}" type="datetimeFigureOut">
               <a:rPr lang="ko-KR" altLang="en-US" smtClean="0"/>
               <a:pPr/>
-              <a:t>2016-12-16</a:t>
+              <a:t>2016-12-20</a:t>
             </a:fld>
             <a:endParaRPr lang="ko-KR" altLang="en-US"/>
           </a:p>
@@ -2120,7 +2120,7 @@
             <a:fld id="{62A79AEA-3BAC-4F9F-AF7B-AC94F9972022}" type="datetimeFigureOut">
               <a:rPr lang="ko-KR" altLang="en-US" smtClean="0"/>
               <a:pPr/>
-              <a:t>2016-12-16</a:t>
+              <a:t>2016-12-20</a:t>
             </a:fld>
             <a:endParaRPr lang="ko-KR" altLang="en-US"/>
           </a:p>
@@ -2244,7 +2244,7 @@
             <a:fld id="{62A79AEA-3BAC-4F9F-AF7B-AC94F9972022}" type="datetimeFigureOut">
               <a:rPr lang="ko-KR" altLang="en-US" smtClean="0"/>
               <a:pPr/>
-              <a:t>2016-12-16</a:t>
+              <a:t>2016-12-20</a:t>
             </a:fld>
             <a:endParaRPr lang="ko-KR" altLang="en-US"/>
           </a:p>
@@ -2336,7 +2336,7 @@
             <a:fld id="{62A79AEA-3BAC-4F9F-AF7B-AC94F9972022}" type="datetimeFigureOut">
               <a:rPr lang="ko-KR" altLang="en-US" smtClean="0"/>
               <a:pPr/>
-              <a:t>2016-12-16</a:t>
+              <a:t>2016-12-20</a:t>
             </a:fld>
             <a:endParaRPr lang="ko-KR" altLang="en-US"/>
           </a:p>
@@ -2587,7 +2587,7 @@
             <a:fld id="{62A79AEA-3BAC-4F9F-AF7B-AC94F9972022}" type="datetimeFigureOut">
               <a:rPr lang="ko-KR" altLang="en-US" smtClean="0"/>
               <a:pPr/>
-              <a:t>2016-12-16</a:t>
+              <a:t>2016-12-20</a:t>
             </a:fld>
             <a:endParaRPr lang="ko-KR" altLang="en-US"/>
           </a:p>
@@ -2848,7 +2848,7 @@
             <a:fld id="{62A79AEA-3BAC-4F9F-AF7B-AC94F9972022}" type="datetimeFigureOut">
               <a:rPr lang="ko-KR" altLang="en-US" smtClean="0"/>
               <a:pPr/>
-              <a:t>2016-12-16</a:t>
+              <a:t>2016-12-20</a:t>
             </a:fld>
             <a:endParaRPr lang="ko-KR" altLang="en-US"/>
           </a:p>
@@ -3254,7 +3254,7 @@
             <a:fld id="{62A79AEA-3BAC-4F9F-AF7B-AC94F9972022}" type="datetimeFigureOut">
               <a:rPr lang="ko-KR" altLang="en-US" smtClean="0"/>
               <a:pPr/>
-              <a:t>2016-12-16</a:t>
+              <a:t>2016-12-20</a:t>
             </a:fld>
             <a:endParaRPr lang="ko-KR" altLang="en-US"/>
           </a:p>
@@ -5238,6 +5238,36 @@
           </a:p>
         </p:txBody>
       </p:sp>
+      <p:sp>
+        <p:nvSpPr>
+          <p:cNvPr id="3" name="TextBox 2"/>
+          <p:cNvSpPr txBox="1"/>
+          <p:nvPr/>
+        </p:nvSpPr>
+        <p:spPr>
+          <a:xfrm>
+            <a:off x="2123728" y="2564904"/>
+            <a:ext cx="5328592" cy="369332"/>
+          </a:xfrm>
+          <a:prstGeom prst="rect">
+            <a:avLst/>
+          </a:prstGeom>
+          <a:noFill/>
+        </p:spPr>
+        <p:txBody>
+          <a:bodyPr wrap="square" rtlCol="0">
+            <a:spAutoFit/>
+          </a:bodyPr>
+          <a:lstStyle/>
+          <a:p>
+            <a:r>
+              <a:rPr lang="en-US" altLang="ko-KR" dirty="0"/>
+              <a:t>https://www.youtube.com/watch?v=v8kx1MK-j78</a:t>
+            </a:r>
+            <a:endParaRPr lang="ko-KR" altLang="en-US" dirty="0"/>
+          </a:p>
+        </p:txBody>
+      </p:sp>
     </p:spTree>
   </p:cSld>
   <p:clrMapOvr>
@@ -5353,19 +5383,7 @@
             </a:r>
             <a:r>
               <a:rPr lang="ko-KR" altLang="en-US" sz="1900" dirty="0" smtClean="0"/>
-              <a:t>터치 센서가 </a:t>
-            </a:r>
-            <a:r>
-              <a:rPr lang="ko-KR" altLang="en-US" sz="1900" dirty="0" smtClean="0"/>
-              <a:t>굉장히 </a:t>
-            </a:r>
-            <a:r>
-              <a:rPr lang="ko-KR" altLang="en-US" sz="1900" dirty="0" smtClean="0"/>
-              <a:t>늦게 도착</a:t>
-            </a:r>
-            <a:r>
-              <a:rPr lang="ko-KR" altLang="en-US" sz="1900" dirty="0" smtClean="0"/>
-              <a:t>하고</a:t>
+              <a:t>터치 센서가 굉장히 늦게 도착하고</a:t>
             </a:r>
             <a:r>
               <a:rPr lang="en-US" altLang="ko-KR" sz="1900" dirty="0" smtClean="0"/>
@@ -5387,7 +5405,6 @@
               <a:rPr lang="en-US" altLang="ko-KR" sz="1900" dirty="0" smtClean="0"/>
               <a:t>.</a:t>
             </a:r>
-            <a:endParaRPr lang="en-US" altLang="ko-KR" sz="1900" dirty="0" smtClean="0"/>
           </a:p>
           <a:p>
             <a:r>
@@ -5396,11 +5413,7 @@
             </a:r>
             <a:r>
               <a:rPr lang="ko-KR" altLang="en-US" sz="1900" dirty="0" smtClean="0"/>
-              <a:t> </a:t>
-            </a:r>
-            <a:r>
-              <a:rPr lang="ko-KR" altLang="en-US" sz="1900" dirty="0" smtClean="0"/>
-              <a:t>데모 영상을 위한 스피커도 도착하지 않아 지인을 통해 입수</a:t>
+              <a:t> 데모 영상을 위한 스피커도 도착하지 않아 지인을 통해 입수</a:t>
             </a:r>
             <a:r>
               <a:rPr lang="en-US" altLang="ko-KR" sz="1900" dirty="0" smtClean="0"/>
@@ -5446,7 +5459,6 @@
               <a:rPr lang="en-US" altLang="ko-KR" sz="1900" dirty="0" smtClean="0"/>
               <a:t>.</a:t>
             </a:r>
-            <a:endParaRPr lang="en-US" altLang="ko-KR" sz="1900" dirty="0" smtClean="0"/>
           </a:p>
         </p:txBody>
       </p:sp>
@@ -5592,7 +5604,7 @@
         <p:spPr>
           <a:xfrm>
             <a:off x="457200" y="1772816"/>
-            <a:ext cx="8147248" cy="4416594"/>
+            <a:ext cx="8147248" cy="2939266"/>
           </a:xfrm>
           <a:prstGeom prst="rect">
             <a:avLst/>
@@ -5604,65 +5616,6 @@
             <a:spAutoFit/>
           </a:bodyPr>
           <a:lstStyle/>
-          <a:p>
-            <a:r>
-              <a:rPr lang="ko-KR" altLang="en-US" sz="3200" b="1" i="1" dirty="0" err="1" smtClean="0">
-                <a:latin typeface="HY엽서L" panose="02030600000101010101" pitchFamily="18" charset="-127"/>
-                <a:ea typeface="HY엽서L" panose="02030600000101010101" pitchFamily="18" charset="-127"/>
-              </a:rPr>
-              <a:t>장경식</a:t>
-            </a:r>
-            <a:r>
-              <a:rPr lang="ko-KR" altLang="en-US" sz="3200" b="1" i="1" dirty="0" smtClean="0">
-                <a:latin typeface="HY엽서L" panose="02030600000101010101" pitchFamily="18" charset="-127"/>
-                <a:ea typeface="HY엽서L" panose="02030600000101010101" pitchFamily="18" charset="-127"/>
-              </a:rPr>
-              <a:t> 교수님   </a:t>
-            </a:r>
-            <a:r>
-              <a:rPr lang="en-US" altLang="ko-KR" sz="3200" b="1" i="1" dirty="0" smtClean="0">
-                <a:latin typeface="HY엽서L" panose="02030600000101010101" pitchFamily="18" charset="-127"/>
-                <a:ea typeface="HY엽서L" panose="02030600000101010101" pitchFamily="18" charset="-127"/>
-              </a:rPr>
-              <a:t>for management</a:t>
-            </a:r>
-          </a:p>
-          <a:p>
-            <a:endParaRPr lang="en-US" altLang="ko-KR" sz="3200" b="1" i="1" dirty="0" smtClean="0">
-              <a:latin typeface="HY엽서L" panose="02030600000101010101" pitchFamily="18" charset="-127"/>
-              <a:ea typeface="HY엽서L" panose="02030600000101010101" pitchFamily="18" charset="-127"/>
-            </a:endParaRPr>
-          </a:p>
-          <a:p>
-            <a:r>
-              <a:rPr lang="ko-KR" altLang="en-US" sz="3200" b="1" i="1" dirty="0" err="1">
-                <a:latin typeface="HY엽서L" panose="02030600000101010101" pitchFamily="18" charset="-127"/>
-                <a:ea typeface="HY엽서L" panose="02030600000101010101" pitchFamily="18" charset="-127"/>
-              </a:rPr>
-              <a:t>정재우</a:t>
-            </a:r>
-            <a:r>
-              <a:rPr lang="ko-KR" altLang="en-US" sz="3200" b="1" i="1" dirty="0">
-                <a:latin typeface="HY엽서L" panose="02030600000101010101" pitchFamily="18" charset="-127"/>
-                <a:ea typeface="HY엽서L" panose="02030600000101010101" pitchFamily="18" charset="-127"/>
-              </a:rPr>
-              <a:t> </a:t>
-            </a:r>
-            <a:r>
-              <a:rPr lang="ko-KR" altLang="en-US" sz="3200" b="1" i="1" dirty="0" smtClean="0">
-                <a:latin typeface="HY엽서L" panose="02030600000101010101" pitchFamily="18" charset="-127"/>
-                <a:ea typeface="HY엽서L" panose="02030600000101010101" pitchFamily="18" charset="-127"/>
-              </a:rPr>
-              <a:t>조교님   </a:t>
-            </a:r>
-            <a:r>
-              <a:rPr lang="en-US" altLang="ko-KR" sz="3200" b="1" i="1" dirty="0" smtClean="0">
-                <a:latin typeface="HY엽서L" panose="02030600000101010101" pitchFamily="18" charset="-127"/>
-                <a:ea typeface="HY엽서L" panose="02030600000101010101" pitchFamily="18" charset="-127"/>
-              </a:rPr>
-              <a:t>for advice</a:t>
-            </a:r>
-          </a:p>
           <a:p>
             <a:endParaRPr lang="en-US" altLang="ko-KR" sz="3200" b="1" i="1" dirty="0" smtClean="0">
               <a:latin typeface="HY엽서L" panose="02030600000101010101" pitchFamily="18" charset="-127"/>

--- a/최종발표/Electronic  Drum ♬.pptx
+++ b/최종발표/Electronic  Drum ♬.pptx
@@ -10,10 +10,11 @@
     <p:sldId id="258" r:id="rId4"/>
     <p:sldId id="259" r:id="rId5"/>
     <p:sldId id="260" r:id="rId6"/>
-    <p:sldId id="261" r:id="rId7"/>
-    <p:sldId id="262" r:id="rId8"/>
-    <p:sldId id="263" r:id="rId9"/>
-    <p:sldId id="264" r:id="rId10"/>
+    <p:sldId id="265" r:id="rId7"/>
+    <p:sldId id="261" r:id="rId8"/>
+    <p:sldId id="262" r:id="rId9"/>
+    <p:sldId id="263" r:id="rId10"/>
+    <p:sldId id="264" r:id="rId11"/>
   </p:sldIdLst>
   <p:sldSz cx="9144000" cy="6858000" type="screen4x3"/>
   <p:notesSz cx="6858000" cy="9144000"/>
@@ -3789,6 +3790,229 @@
         </p:txBody>
       </p:sp>
     </p:spTree>
+  </p:cSld>
+  <p:clrMapOvr>
+    <a:masterClrMapping/>
+  </p:clrMapOvr>
+  <p:timing>
+    <p:tnLst>
+      <p:par>
+        <p:cTn id="1" dur="indefinite" restart="never" nodeType="tmRoot"/>
+      </p:par>
+    </p:tnLst>
+  </p:timing>
+</p:sld>
+</file>
+
+<file path=ppt/slides/slide10.xml><?xml version="1.0" encoding="utf-8"?>
+<p:sld xmlns:a="http://schemas.openxmlformats.org/drawingml/2006/main" xmlns:r="http://schemas.openxmlformats.org/officeDocument/2006/relationships" xmlns:p="http://schemas.openxmlformats.org/presentationml/2006/main">
+  <p:cSld>
+    <p:spTree>
+      <p:nvGrpSpPr>
+        <p:cNvPr id="1" name=""/>
+        <p:cNvGrpSpPr/>
+        <p:nvPr/>
+      </p:nvGrpSpPr>
+      <p:grpSpPr>
+        <a:xfrm>
+          <a:off x="0" y="0"/>
+          <a:ext cx="0" cy="0"/>
+          <a:chOff x="0" y="0"/>
+          <a:chExt cx="0" cy="0"/>
+        </a:xfrm>
+      </p:grpSpPr>
+      <p:sp>
+        <p:nvSpPr>
+          <p:cNvPr id="2" name="제목 1"/>
+          <p:cNvSpPr>
+            <a:spLocks noGrp="1"/>
+          </p:cNvSpPr>
+          <p:nvPr>
+            <p:ph type="title"/>
+          </p:nvPr>
+        </p:nvSpPr>
+        <p:spPr/>
+        <p:txBody>
+          <a:bodyPr/>
+          <a:lstStyle/>
+          <a:p>
+            <a:r>
+              <a:rPr lang="en-US" altLang="ko-KR" sz="4000" b="1" i="1" dirty="0" smtClean="0">
+                <a:latin typeface="HY엽서L" panose="02030600000101010101" pitchFamily="18" charset="-127"/>
+                <a:ea typeface="HY엽서L" panose="02030600000101010101" pitchFamily="18" charset="-127"/>
+              </a:rPr>
+              <a:t>Thanks To.</a:t>
+            </a:r>
+            <a:endParaRPr lang="ko-KR" altLang="en-US" sz="4000" b="1" i="1" dirty="0">
+              <a:latin typeface="HY엽서L" panose="02030600000101010101" pitchFamily="18" charset="-127"/>
+              <a:ea typeface="HY엽서L" panose="02030600000101010101" pitchFamily="18" charset="-127"/>
+            </a:endParaRPr>
+          </a:p>
+        </p:txBody>
+      </p:sp>
+      <p:sp>
+        <p:nvSpPr>
+          <p:cNvPr id="5" name="TextBox 4"/>
+          <p:cNvSpPr txBox="1"/>
+          <p:nvPr/>
+        </p:nvSpPr>
+        <p:spPr>
+          <a:xfrm>
+            <a:off x="457200" y="1772816"/>
+            <a:ext cx="8147248" cy="2939266"/>
+          </a:xfrm>
+          <a:prstGeom prst="rect">
+            <a:avLst/>
+          </a:prstGeom>
+          <a:noFill/>
+        </p:spPr>
+        <p:txBody>
+          <a:bodyPr wrap="square" rtlCol="0">
+            <a:spAutoFit/>
+          </a:bodyPr>
+          <a:lstStyle/>
+          <a:p>
+            <a:endParaRPr lang="en-US" altLang="ko-KR" sz="3200" b="1" i="1" dirty="0" smtClean="0">
+              <a:latin typeface="HY엽서L" panose="02030600000101010101" pitchFamily="18" charset="-127"/>
+              <a:ea typeface="HY엽서L" panose="02030600000101010101" pitchFamily="18" charset="-127"/>
+            </a:endParaRPr>
+          </a:p>
+          <a:p>
+            <a:r>
+              <a:rPr lang="ko-KR" altLang="en-US" sz="3200" b="1" i="1" dirty="0">
+                <a:latin typeface="HY엽서L" panose="02030600000101010101" pitchFamily="18" charset="-127"/>
+                <a:ea typeface="HY엽서L" panose="02030600000101010101" pitchFamily="18" charset="-127"/>
+              </a:rPr>
+              <a:t>김승태 </a:t>
+            </a:r>
+            <a:r>
+              <a:rPr lang="en-US" altLang="ko-KR" sz="3200" b="1" i="1" dirty="0">
+                <a:latin typeface="HY엽서L" panose="02030600000101010101" pitchFamily="18" charset="-127"/>
+                <a:ea typeface="HY엽서L" panose="02030600000101010101" pitchFamily="18" charset="-127"/>
+              </a:rPr>
+              <a:t>·  </a:t>
+            </a:r>
+            <a:r>
+              <a:rPr lang="ko-KR" altLang="en-US" sz="3200" b="1" i="1" dirty="0">
+                <a:latin typeface="HY엽서L" panose="02030600000101010101" pitchFamily="18" charset="-127"/>
+                <a:ea typeface="HY엽서L" panose="02030600000101010101" pitchFamily="18" charset="-127"/>
+              </a:rPr>
+              <a:t>강산 </a:t>
+            </a:r>
+            <a:r>
+              <a:rPr lang="ko-KR" altLang="en-US" sz="3200" b="1" i="1" dirty="0" smtClean="0">
+                <a:latin typeface="HY엽서L" panose="02030600000101010101" pitchFamily="18" charset="-127"/>
+                <a:ea typeface="HY엽서L" panose="02030600000101010101" pitchFamily="18" charset="-127"/>
+              </a:rPr>
+              <a:t> </a:t>
+            </a:r>
+            <a:r>
+              <a:rPr lang="ko-KR" altLang="en-US" sz="3200" b="1" i="1" dirty="0">
+                <a:latin typeface="HY엽서L" panose="02030600000101010101" pitchFamily="18" charset="-127"/>
+                <a:ea typeface="HY엽서L" panose="02030600000101010101" pitchFamily="18" charset="-127"/>
+              </a:rPr>
+              <a:t> </a:t>
+            </a:r>
+            <a:r>
+              <a:rPr lang="en-US" altLang="ko-KR" sz="3200" b="1" i="1" dirty="0" smtClean="0">
+                <a:latin typeface="HY엽서L" panose="02030600000101010101" pitchFamily="18" charset="-127"/>
+                <a:ea typeface="HY엽서L" panose="02030600000101010101" pitchFamily="18" charset="-127"/>
+              </a:rPr>
+              <a:t>(</a:t>
+            </a:r>
+            <a:r>
+              <a:rPr lang="en-US" altLang="ko-KR" sz="3200" b="1" i="1" dirty="0" smtClean="0">
+                <a:latin typeface="HY엽서L" panose="02030600000101010101" pitchFamily="18" charset="-127"/>
+                <a:ea typeface="HY엽서L" panose="02030600000101010101" pitchFamily="18" charset="-127"/>
+              </a:rPr>
+              <a:t>MIDI shield)</a:t>
+            </a:r>
+            <a:endParaRPr lang="en-US" altLang="ko-KR" sz="3200" b="1" i="1" dirty="0" smtClean="0">
+              <a:latin typeface="HY엽서L" panose="02030600000101010101" pitchFamily="18" charset="-127"/>
+              <a:ea typeface="HY엽서L" panose="02030600000101010101" pitchFamily="18" charset="-127"/>
+            </a:endParaRPr>
+          </a:p>
+          <a:p>
+            <a:endParaRPr lang="en-US" altLang="ko-KR" sz="3200" b="1" i="1" dirty="0" smtClean="0">
+              <a:latin typeface="HY엽서L" panose="02030600000101010101" pitchFamily="18" charset="-127"/>
+              <a:ea typeface="HY엽서L" panose="02030600000101010101" pitchFamily="18" charset="-127"/>
+            </a:endParaRPr>
+          </a:p>
+          <a:p>
+            <a:r>
+              <a:rPr lang="ko-KR" altLang="en-US" sz="3200" b="1" i="1" dirty="0" err="1">
+                <a:latin typeface="HY엽서L" panose="02030600000101010101" pitchFamily="18" charset="-127"/>
+                <a:ea typeface="HY엽서L" panose="02030600000101010101" pitchFamily="18" charset="-127"/>
+              </a:rPr>
+              <a:t>백윤기</a:t>
+            </a:r>
+            <a:r>
+              <a:rPr lang="ko-KR" altLang="en-US" sz="3200" b="1" i="1" dirty="0">
+                <a:latin typeface="HY엽서L" panose="02030600000101010101" pitchFamily="18" charset="-127"/>
+                <a:ea typeface="HY엽서L" panose="02030600000101010101" pitchFamily="18" charset="-127"/>
+              </a:rPr>
+              <a:t> </a:t>
+            </a:r>
+            <a:r>
+              <a:rPr lang="en-US" altLang="ko-KR" sz="3200" b="1" i="1" dirty="0">
+                <a:latin typeface="HY엽서L" panose="02030600000101010101" pitchFamily="18" charset="-127"/>
+                <a:ea typeface="HY엽서L" panose="02030600000101010101" pitchFamily="18" charset="-127"/>
+              </a:rPr>
+              <a:t>· </a:t>
+            </a:r>
+            <a:r>
+              <a:rPr lang="ko-KR" altLang="en-US" sz="3200" b="1" i="1" dirty="0" err="1">
+                <a:latin typeface="HY엽서L" panose="02030600000101010101" pitchFamily="18" charset="-127"/>
+                <a:ea typeface="HY엽서L" panose="02030600000101010101" pitchFamily="18" charset="-127"/>
+              </a:rPr>
+              <a:t>이석한</a:t>
+            </a:r>
+            <a:r>
+              <a:rPr lang="ko-KR" altLang="en-US" sz="3200" b="1" i="1" dirty="0">
+                <a:latin typeface="HY엽서L" panose="02030600000101010101" pitchFamily="18" charset="-127"/>
+                <a:ea typeface="HY엽서L" panose="02030600000101010101" pitchFamily="18" charset="-127"/>
+              </a:rPr>
+              <a:t>  </a:t>
+            </a:r>
+            <a:r>
+              <a:rPr lang="en-US" altLang="ko-KR" sz="3200" b="1" i="1" dirty="0" smtClean="0">
+                <a:latin typeface="HY엽서L" panose="02030600000101010101" pitchFamily="18" charset="-127"/>
+                <a:ea typeface="HY엽서L" panose="02030600000101010101" pitchFamily="18" charset="-127"/>
+              </a:rPr>
+              <a:t>(</a:t>
+            </a:r>
+            <a:r>
+              <a:rPr lang="en-US" altLang="ko-KR" sz="3200" b="1" i="1" dirty="0" smtClean="0">
+                <a:latin typeface="HY엽서L" panose="02030600000101010101" pitchFamily="18" charset="-127"/>
+                <a:ea typeface="HY엽서L" panose="02030600000101010101" pitchFamily="18" charset="-127"/>
+              </a:rPr>
+              <a:t>speaker)</a:t>
+            </a:r>
+            <a:endParaRPr lang="en-US" altLang="ko-KR" sz="3200" b="1" i="1" dirty="0">
+              <a:latin typeface="HY엽서L" panose="02030600000101010101" pitchFamily="18" charset="-127"/>
+              <a:ea typeface="HY엽서L" panose="02030600000101010101" pitchFamily="18" charset="-127"/>
+            </a:endParaRPr>
+          </a:p>
+          <a:p>
+            <a:endParaRPr lang="en-US" altLang="ko-KR" sz="1900" dirty="0">
+              <a:latin typeface="HY엽서L" panose="02030600000101010101" pitchFamily="18" charset="-127"/>
+              <a:ea typeface="HY엽서L" panose="02030600000101010101" pitchFamily="18" charset="-127"/>
+            </a:endParaRPr>
+          </a:p>
+          <a:p>
+            <a:endParaRPr lang="en-US" altLang="ko-KR" sz="1900" dirty="0"/>
+          </a:p>
+          <a:p>
+            <a:endParaRPr lang="en-US" altLang="ko-KR" sz="1900" dirty="0" smtClean="0"/>
+          </a:p>
+        </p:txBody>
+      </p:sp>
+    </p:spTree>
+    <p:extLst>
+      <p:ext uri="{BB962C8B-B14F-4D97-AF65-F5344CB8AC3E}">
+        <p14:creationId xmlns:p14="http://schemas.microsoft.com/office/powerpoint/2010/main" val="623476768"/>
+      </p:ext>
+    </p:extLst>
   </p:cSld>
   <p:clrMapOvr>
     <a:masterClrMapping/>
@@ -5031,7 +5255,7 @@
         <p:spPr>
           <a:xfrm>
             <a:off x="251520" y="5518973"/>
-            <a:ext cx="8250977" cy="646331"/>
+            <a:ext cx="8640960" cy="369332"/>
           </a:xfrm>
           <a:prstGeom prst="rect">
             <a:avLst/>
@@ -5039,25 +5263,42 @@
           <a:noFill/>
         </p:spPr>
         <p:txBody>
-          <a:bodyPr wrap="none" rtlCol="0">
+          <a:bodyPr wrap="square" rtlCol="0">
             <a:spAutoFit/>
           </a:bodyPr>
           <a:lstStyle/>
           <a:p>
             <a:r>
               <a:rPr lang="ko-KR" altLang="en-US" dirty="0" smtClean="0"/>
-              <a:t>각 부품들을 깔끔하게 결합하기 위해 소켓이라는 연결단자를 처음부터 구매하여</a:t>
-            </a:r>
-            <a:endParaRPr lang="en-US" altLang="ko-KR" dirty="0" smtClean="0"/>
-          </a:p>
-          <a:p>
+              <a:t>각 부품들을 깔끔하게 결합하기 </a:t>
+            </a:r>
             <a:r>
               <a:rPr lang="ko-KR" altLang="en-US" dirty="0" smtClean="0"/>
-              <a:t>층을 쌓듯이 연결시켰다</a:t>
-            </a:r>
-            <a:r>
-              <a:rPr lang="en-US" altLang="ko-KR" dirty="0" smtClean="0"/>
-              <a:t>.</a:t>
+              <a:t>위해 </a:t>
+            </a:r>
+            <a:r>
+              <a:rPr lang="ko-KR" altLang="en-US" dirty="0" err="1" smtClean="0"/>
+              <a:t>적층형</a:t>
+            </a:r>
+            <a:r>
+              <a:rPr lang="ko-KR" altLang="en-US" dirty="0" smtClean="0"/>
+              <a:t> 소켓을 이용하여</a:t>
+            </a:r>
+            <a:r>
+              <a:rPr lang="en-US" altLang="ko-KR" dirty="0"/>
+              <a:t> </a:t>
+            </a:r>
+            <a:r>
+              <a:rPr lang="ko-KR" altLang="en-US" dirty="0" smtClean="0"/>
+              <a:t>층을 </a:t>
+            </a:r>
+            <a:r>
+              <a:rPr lang="ko-KR" altLang="en-US" dirty="0" smtClean="0"/>
+              <a:t>쌓듯이 </a:t>
+            </a:r>
+            <a:r>
+              <a:rPr lang="ko-KR" altLang="en-US" dirty="0" smtClean="0"/>
+              <a:t>연결</a:t>
             </a:r>
             <a:endParaRPr lang="ko-KR" altLang="en-US" dirty="0"/>
           </a:p>
@@ -5095,91 +5336,41 @@
           <a:chExt cx="0" cy="0"/>
         </a:xfrm>
       </p:grpSpPr>
-      <p:sp>
-        <p:nvSpPr>
-          <p:cNvPr id="2" name="제목 1"/>
-          <p:cNvSpPr>
-            <a:spLocks noGrp="1"/>
-          </p:cNvSpPr>
-          <p:nvPr>
-            <p:ph type="title"/>
-          </p:nvPr>
-        </p:nvSpPr>
-        <p:spPr/>
-        <p:txBody>
-          <a:bodyPr/>
-          <a:lstStyle/>
-          <a:p>
-            <a:r>
-              <a:rPr lang="en-US" altLang="ko-KR" sz="4000" dirty="0" smtClean="0"/>
-              <a:t>3. </a:t>
-            </a:r>
-            <a:r>
-              <a:rPr lang="ko-KR" altLang="en-US" sz="4000" dirty="0" smtClean="0"/>
-              <a:t>주요기능</a:t>
-            </a:r>
-            <a:endParaRPr lang="ko-KR" altLang="en-US" sz="4000" dirty="0"/>
-          </a:p>
-        </p:txBody>
-      </p:sp>
-      <p:sp>
-        <p:nvSpPr>
-          <p:cNvPr id="3" name="내용 개체 틀 2"/>
-          <p:cNvSpPr>
-            <a:spLocks noGrp="1"/>
-          </p:cNvSpPr>
-          <p:nvPr>
-            <p:ph idx="1"/>
-          </p:nvPr>
-        </p:nvSpPr>
-        <p:spPr/>
-        <p:txBody>
-          <a:bodyPr/>
-          <a:lstStyle/>
-          <a:p>
-            <a:r>
-              <a:rPr lang="en-US" altLang="ko-KR" dirty="0" smtClean="0"/>
-              <a:t>8</a:t>
-            </a:r>
-            <a:r>
-              <a:rPr lang="ko-KR" altLang="en-US" dirty="0" smtClean="0"/>
-              <a:t>개의 세트의 드럼 소리 구현</a:t>
-            </a:r>
-            <a:endParaRPr lang="en-US" altLang="ko-KR" dirty="0" smtClean="0"/>
-          </a:p>
-          <a:p>
-            <a:endParaRPr lang="en-US" altLang="ko-KR" dirty="0"/>
-          </a:p>
-          <a:p>
-            <a:r>
-              <a:rPr lang="ko-KR" altLang="en-US" dirty="0" smtClean="0"/>
-              <a:t>긴장감 고조 기능</a:t>
-            </a:r>
-            <a:endParaRPr lang="en-US" altLang="ko-KR" dirty="0" smtClean="0"/>
-          </a:p>
-          <a:p>
-            <a:endParaRPr lang="en-US" altLang="ko-KR" dirty="0"/>
-          </a:p>
-          <a:p>
-            <a:r>
-              <a:rPr lang="ko-KR" altLang="en-US" dirty="0" smtClean="0"/>
-              <a:t>녹화 및 재생</a:t>
-            </a:r>
-            <a:endParaRPr lang="en-US" altLang="ko-KR" dirty="0"/>
-          </a:p>
-          <a:p>
-            <a:endParaRPr lang="en-US" altLang="ko-KR" dirty="0" smtClean="0"/>
-          </a:p>
-          <a:p>
-            <a:r>
-              <a:rPr lang="ko-KR" altLang="en-US" dirty="0" smtClean="0"/>
-              <a:t>녹화 반복 재생</a:t>
-            </a:r>
-            <a:endParaRPr lang="ko-KR" altLang="en-US" dirty="0"/>
-          </a:p>
-        </p:txBody>
-      </p:sp>
+      <p:pic>
+        <p:nvPicPr>
+          <p:cNvPr id="11" name="그림 10"/>
+          <p:cNvPicPr>
+            <a:picLocks noChangeAspect="1"/>
+          </p:cNvPicPr>
+          <p:nvPr/>
+        </p:nvPicPr>
+        <p:blipFill rotWithShape="1">
+          <a:blip r:embed="rId2" cstate="print">
+            <a:extLst>
+              <a:ext uri="{28A0092B-C50C-407E-A947-70E740481C1C}">
+                <a14:useLocalDpi xmlns:a14="http://schemas.microsoft.com/office/drawing/2010/main" val="0"/>
+              </a:ext>
+            </a:extLst>
+          </a:blip>
+          <a:srcRect l="8400" r="3402"/>
+          <a:stretch/>
+        </p:blipFill>
+        <p:spPr>
+          <a:xfrm rot="5400000">
+            <a:off x="1475655" y="1124746"/>
+            <a:ext cx="6048674" cy="4464495"/>
+          </a:xfrm>
+          <a:prstGeom prst="rect">
+            <a:avLst/>
+          </a:prstGeom>
+        </p:spPr>
+      </p:pic>
     </p:spTree>
+    <p:extLst>
+      <p:ext uri="{BB962C8B-B14F-4D97-AF65-F5344CB8AC3E}">
+        <p14:creationId xmlns:p14="http://schemas.microsoft.com/office/powerpoint/2010/main" val="4260871481"/>
+      </p:ext>
+    </p:extLst>
   </p:cSld>
   <p:clrMapOvr>
     <a:masterClrMapping/>
@@ -5228,11 +5419,11 @@
           <a:p>
             <a:r>
               <a:rPr lang="en-US" altLang="ko-KR" sz="4000" dirty="0" smtClean="0"/>
-              <a:t>4. </a:t>
+              <a:t>3. </a:t>
             </a:r>
             <a:r>
               <a:rPr lang="ko-KR" altLang="en-US" sz="4000" dirty="0" smtClean="0"/>
-              <a:t>시연 영상</a:t>
+              <a:t>주요기능</a:t>
             </a:r>
             <a:endParaRPr lang="ko-KR" altLang="en-US" sz="4000" dirty="0"/>
           </a:p>
@@ -5240,29 +5431,56 @@
       </p:sp>
       <p:sp>
         <p:nvSpPr>
-          <p:cNvPr id="3" name="TextBox 2"/>
-          <p:cNvSpPr txBox="1"/>
-          <p:nvPr/>
-        </p:nvSpPr>
-        <p:spPr>
-          <a:xfrm>
-            <a:off x="2123728" y="2564904"/>
-            <a:ext cx="5328592" cy="369332"/>
-          </a:xfrm>
-          <a:prstGeom prst="rect">
-            <a:avLst/>
-          </a:prstGeom>
-          <a:noFill/>
-        </p:spPr>
-        <p:txBody>
-          <a:bodyPr wrap="square" rtlCol="0">
-            <a:spAutoFit/>
-          </a:bodyPr>
-          <a:lstStyle/>
-          <a:p>
-            <a:r>
-              <a:rPr lang="en-US" altLang="ko-KR" dirty="0"/>
-              <a:t>https://www.youtube.com/watch?v=v8kx1MK-j78</a:t>
+          <p:cNvPr id="3" name="내용 개체 틀 2"/>
+          <p:cNvSpPr>
+            <a:spLocks noGrp="1"/>
+          </p:cNvSpPr>
+          <p:nvPr>
+            <p:ph idx="1"/>
+          </p:nvPr>
+        </p:nvSpPr>
+        <p:spPr/>
+        <p:txBody>
+          <a:bodyPr/>
+          <a:lstStyle/>
+          <a:p>
+            <a:r>
+              <a:rPr lang="en-US" altLang="ko-KR" dirty="0" smtClean="0"/>
+              <a:t>8</a:t>
+            </a:r>
+            <a:r>
+              <a:rPr lang="ko-KR" altLang="en-US" dirty="0" smtClean="0"/>
+              <a:t>개의 세트의 드럼 소리 구현</a:t>
+            </a:r>
+            <a:endParaRPr lang="en-US" altLang="ko-KR" dirty="0" smtClean="0"/>
+          </a:p>
+          <a:p>
+            <a:endParaRPr lang="en-US" altLang="ko-KR" dirty="0"/>
+          </a:p>
+          <a:p>
+            <a:r>
+              <a:rPr lang="ko-KR" altLang="en-US" dirty="0" smtClean="0"/>
+              <a:t>긴장감 고조 기능</a:t>
+            </a:r>
+            <a:endParaRPr lang="en-US" altLang="ko-KR" dirty="0" smtClean="0"/>
+          </a:p>
+          <a:p>
+            <a:endParaRPr lang="en-US" altLang="ko-KR" dirty="0"/>
+          </a:p>
+          <a:p>
+            <a:r>
+              <a:rPr lang="ko-KR" altLang="en-US" dirty="0" smtClean="0"/>
+              <a:t>녹화 및 재생</a:t>
+            </a:r>
+            <a:endParaRPr lang="en-US" altLang="ko-KR" dirty="0"/>
+          </a:p>
+          <a:p>
+            <a:endParaRPr lang="en-US" altLang="ko-KR" dirty="0" smtClean="0"/>
+          </a:p>
+          <a:p>
+            <a:r>
+              <a:rPr lang="ko-KR" altLang="en-US" dirty="0" smtClean="0"/>
+              <a:t>녹화 반복 재생</a:t>
             </a:r>
             <a:endParaRPr lang="ko-KR" altLang="en-US" dirty="0"/>
           </a:p>
@@ -5317,17 +5535,11 @@
           <a:p>
             <a:r>
               <a:rPr lang="en-US" altLang="ko-KR" sz="4000" dirty="0" smtClean="0"/>
-              <a:t>5. </a:t>
-            </a:r>
-            <a:r>
-              <a:rPr lang="ko-KR" altLang="en-US" sz="4000" dirty="0" smtClean="0">
-                <a:latin typeface="+mn-lt"/>
-              </a:rPr>
-              <a:t>문제점</a:t>
+              <a:t>4. </a:t>
             </a:r>
             <a:r>
               <a:rPr lang="ko-KR" altLang="en-US" sz="4000" dirty="0" smtClean="0"/>
-              <a:t> 및 해결 방안</a:t>
+              <a:t>시연 영상</a:t>
             </a:r>
             <a:endParaRPr lang="ko-KR" altLang="en-US" sz="4000" dirty="0"/>
           </a:p>
@@ -5335,14 +5547,14 @@
       </p:sp>
       <p:sp>
         <p:nvSpPr>
-          <p:cNvPr id="4" name="TextBox 3"/>
+          <p:cNvPr id="3" name="TextBox 2"/>
           <p:cNvSpPr txBox="1"/>
           <p:nvPr/>
         </p:nvSpPr>
         <p:spPr>
           <a:xfrm>
-            <a:off x="29360" y="1417638"/>
-            <a:ext cx="8574783" cy="1846659"/>
+            <a:off x="2123728" y="2564904"/>
+            <a:ext cx="5328592" cy="369332"/>
           </a:xfrm>
           <a:prstGeom prst="rect">
             <a:avLst/>
@@ -5350,187 +5562,16 @@
           <a:noFill/>
         </p:spPr>
         <p:txBody>
-          <a:bodyPr wrap="none" rtlCol="0">
+          <a:bodyPr wrap="square" rtlCol="0">
             <a:spAutoFit/>
           </a:bodyPr>
           <a:lstStyle/>
           <a:p>
-            <a:pPr>
-              <a:buFont typeface="Arial" pitchFamily="34" charset="0"/>
-              <a:buChar char="•"/>
-            </a:pPr>
-            <a:r>
-              <a:rPr lang="ko-KR" altLang="en-US" sz="1900" dirty="0" smtClean="0"/>
-              <a:t> </a:t>
-            </a:r>
-            <a:r>
-              <a:rPr lang="ko-KR" altLang="en-US" sz="1900" dirty="0"/>
-              <a:t> </a:t>
-            </a:r>
-            <a:r>
-              <a:rPr lang="ko-KR" altLang="en-US" sz="1900" dirty="0" smtClean="0"/>
-              <a:t>배송 지연</a:t>
-            </a:r>
-            <a:r>
-              <a:rPr lang="en-US" altLang="ko-KR" sz="1900" dirty="0" smtClean="0"/>
-              <a:t> </a:t>
-            </a:r>
-          </a:p>
-          <a:p>
-            <a:r>
-              <a:rPr lang="en-US" altLang="ko-KR" sz="1900" dirty="0" smtClean="0"/>
-              <a:t>-&gt; </a:t>
-            </a:r>
-            <a:r>
-              <a:rPr lang="ko-KR" altLang="en-US" sz="1900" dirty="0" smtClean="0"/>
-              <a:t>터치 센서가 굉장히 늦게 도착하고</a:t>
-            </a:r>
-            <a:r>
-              <a:rPr lang="en-US" altLang="ko-KR" sz="1900" dirty="0" smtClean="0"/>
-              <a:t>, </a:t>
-            </a:r>
-            <a:r>
-              <a:rPr lang="ko-KR" altLang="en-US" sz="1900" dirty="0" smtClean="0"/>
-              <a:t>미디 </a:t>
-            </a:r>
-            <a:r>
-              <a:rPr lang="ko-KR" altLang="en-US" sz="1900" dirty="0" err="1" smtClean="0"/>
-              <a:t>쉴드도</a:t>
-            </a:r>
-            <a:r>
-              <a:rPr lang="ko-KR" altLang="en-US" sz="1900" dirty="0" smtClean="0"/>
-              <a:t> 지인을 통해 입수함</a:t>
-            </a:r>
-            <a:r>
-              <a:rPr lang="en-US" altLang="ko-KR" sz="1900" dirty="0" smtClean="0"/>
-              <a:t>.</a:t>
-            </a:r>
-          </a:p>
-          <a:p>
-            <a:r>
-              <a:rPr lang="en-US" altLang="ko-KR" sz="1900" dirty="0" smtClean="0"/>
-              <a:t>     </a:t>
-            </a:r>
-            <a:r>
-              <a:rPr lang="ko-KR" altLang="en-US" sz="1900" dirty="0" smtClean="0"/>
-              <a:t> 데모 영상을 위한 스피커도 도착하지 않아 지인을 통해 입수</a:t>
-            </a:r>
-            <a:r>
-              <a:rPr lang="en-US" altLang="ko-KR" sz="1900" dirty="0" smtClean="0"/>
-              <a:t>.</a:t>
-            </a:r>
-          </a:p>
-          <a:p>
-            <a:endParaRPr lang="en-US" altLang="ko-KR" sz="1900" dirty="0"/>
-          </a:p>
-          <a:p>
-            <a:r>
-              <a:rPr lang="en-US" altLang="ko-KR" sz="1900" dirty="0" smtClean="0"/>
-              <a:t>    </a:t>
-            </a:r>
-            <a:r>
-              <a:rPr lang="ko-KR" altLang="en-US" sz="1900" dirty="0" smtClean="0"/>
-              <a:t>코드를 분석하고 구현할 기능을 계속 알아보았지만</a:t>
-            </a:r>
-            <a:r>
-              <a:rPr lang="en-US" altLang="ko-KR" sz="1900" dirty="0" smtClean="0"/>
-              <a:t>, </a:t>
-            </a:r>
-            <a:r>
-              <a:rPr lang="ko-KR" altLang="en-US" sz="1900" dirty="0" smtClean="0"/>
-              <a:t>부품이 없는 상태에서는 </a:t>
-            </a:r>
-            <a:endParaRPr lang="en-US" altLang="ko-KR" sz="1900" dirty="0" smtClean="0"/>
-          </a:p>
-          <a:p>
-            <a:r>
-              <a:rPr lang="en-US" altLang="ko-KR" sz="1900" dirty="0"/>
-              <a:t> </a:t>
-            </a:r>
-            <a:r>
-              <a:rPr lang="en-US" altLang="ko-KR" sz="1900" dirty="0" smtClean="0"/>
-              <a:t> </a:t>
-            </a:r>
-            <a:r>
-              <a:rPr lang="ko-KR" altLang="en-US" sz="1900" dirty="0" smtClean="0"/>
-              <a:t>확신이 없는 상태여서 한계가 있었음</a:t>
-            </a:r>
-            <a:r>
-              <a:rPr lang="en-US" altLang="ko-KR" sz="1900" dirty="0" smtClean="0"/>
-              <a:t>.</a:t>
-            </a:r>
-          </a:p>
-        </p:txBody>
-      </p:sp>
-      <p:sp>
-        <p:nvSpPr>
-          <p:cNvPr id="5" name="TextBox 4"/>
-          <p:cNvSpPr txBox="1"/>
-          <p:nvPr/>
-        </p:nvSpPr>
-        <p:spPr>
-          <a:xfrm>
-            <a:off x="29360" y="3922549"/>
-            <a:ext cx="7664278" cy="969496"/>
-          </a:xfrm>
-          <a:prstGeom prst="rect">
-            <a:avLst/>
-          </a:prstGeom>
-          <a:noFill/>
-        </p:spPr>
-        <p:txBody>
-          <a:bodyPr wrap="none" rtlCol="0">
-            <a:spAutoFit/>
-          </a:bodyPr>
-          <a:lstStyle/>
-          <a:p>
-            <a:pPr>
-              <a:buFont typeface="Arial" pitchFamily="34" charset="0"/>
-              <a:buChar char="•"/>
-            </a:pPr>
-            <a:r>
-              <a:rPr lang="ko-KR" altLang="en-US" sz="1900" dirty="0" smtClean="0"/>
-              <a:t> </a:t>
-            </a:r>
-            <a:r>
-              <a:rPr lang="en-US" altLang="ko-KR" sz="1900" dirty="0" smtClean="0"/>
-              <a:t> </a:t>
-            </a:r>
-            <a:r>
-              <a:rPr lang="ko-KR" altLang="en-US" sz="1900" dirty="0" smtClean="0"/>
-              <a:t>단순한 기능</a:t>
-            </a:r>
-            <a:endParaRPr lang="en-US" altLang="ko-KR" sz="1900" dirty="0" smtClean="0"/>
-          </a:p>
-          <a:p>
-            <a:r>
-              <a:rPr lang="en-US" altLang="ko-KR" sz="1900" dirty="0" smtClean="0"/>
-              <a:t> -&gt;</a:t>
-            </a:r>
-            <a:r>
-              <a:rPr lang="ko-KR" altLang="en-US" sz="1900" dirty="0" smtClean="0"/>
-              <a:t> </a:t>
-            </a:r>
-            <a:r>
-              <a:rPr lang="ko-KR" altLang="en-US" sz="1900" dirty="0" err="1" smtClean="0"/>
-              <a:t>입력받은</a:t>
-            </a:r>
-            <a:r>
-              <a:rPr lang="ko-KR" altLang="en-US" sz="1900" dirty="0" smtClean="0"/>
-              <a:t> 신호를 스피커를 통해 출력하는 단순한 기능 밖에 없어서 </a:t>
-            </a:r>
-            <a:endParaRPr lang="en-US" altLang="ko-KR" sz="1900" dirty="0" smtClean="0"/>
-          </a:p>
-          <a:p>
-            <a:r>
-              <a:rPr lang="en-US" altLang="ko-KR" sz="1900" dirty="0"/>
-              <a:t> </a:t>
-            </a:r>
-            <a:r>
-              <a:rPr lang="ko-KR" altLang="en-US" sz="1900" dirty="0" smtClean="0"/>
-              <a:t>추가기능을 조사하고 추가함</a:t>
-            </a:r>
-            <a:endParaRPr lang="en-US" altLang="ko-KR" sz="1900" dirty="0" smtClean="0"/>
+            <a:r>
+              <a:rPr lang="en-US" altLang="ko-KR" dirty="0"/>
+              <a:t>https://www.youtube.com/watch?v=v8kx1MK-j78</a:t>
+            </a:r>
+            <a:endParaRPr lang="ko-KR" altLang="en-US" dirty="0"/>
           </a:p>
         </p:txBody>
       </p:sp>
@@ -5582,29 +5623,37 @@
           <a:lstStyle/>
           <a:p>
             <a:r>
-              <a:rPr lang="en-US" altLang="ko-KR" sz="4000" b="1" i="1" dirty="0" smtClean="0">
-                <a:latin typeface="HY엽서L" panose="02030600000101010101" pitchFamily="18" charset="-127"/>
-                <a:ea typeface="HY엽서L" panose="02030600000101010101" pitchFamily="18" charset="-127"/>
+              <a:rPr lang="en-US" altLang="ko-KR" sz="4000" dirty="0" smtClean="0"/>
+              <a:t>5. </a:t>
+            </a:r>
+            <a:r>
+              <a:rPr lang="ko-KR" altLang="en-US" sz="4000" dirty="0" smtClean="0">
+                <a:latin typeface="+mn-lt"/>
               </a:rPr>
-              <a:t>Thanks To.</a:t>
-            </a:r>
-            <a:endParaRPr lang="ko-KR" altLang="en-US" sz="4000" b="1" i="1" dirty="0">
-              <a:latin typeface="HY엽서L" panose="02030600000101010101" pitchFamily="18" charset="-127"/>
-              <a:ea typeface="HY엽서L" panose="02030600000101010101" pitchFamily="18" charset="-127"/>
-            </a:endParaRPr>
-          </a:p>
-        </p:txBody>
-      </p:sp>
-      <p:sp>
-        <p:nvSpPr>
-          <p:cNvPr id="5" name="TextBox 4"/>
+              <a:t>난관</a:t>
+            </a:r>
+            <a:r>
+              <a:rPr lang="ko-KR" altLang="en-US" sz="4000" dirty="0" smtClean="0"/>
+              <a:t> </a:t>
+            </a:r>
+            <a:r>
+              <a:rPr lang="ko-KR" altLang="en-US" sz="4000" dirty="0" smtClean="0"/>
+              <a:t>및 해결 방안</a:t>
+            </a:r>
+            <a:endParaRPr lang="ko-KR" altLang="en-US" sz="4000" dirty="0"/>
+          </a:p>
+        </p:txBody>
+      </p:sp>
+      <p:sp>
+        <p:nvSpPr>
+          <p:cNvPr id="4" name="TextBox 3"/>
           <p:cNvSpPr txBox="1"/>
           <p:nvPr/>
         </p:nvSpPr>
         <p:spPr>
           <a:xfrm>
-            <a:off x="457200" y="1772816"/>
-            <a:ext cx="8147248" cy="2939266"/>
+            <a:off x="29360" y="1417638"/>
+            <a:ext cx="8574783" cy="1846659"/>
           </a:xfrm>
           <a:prstGeom prst="rect">
             <a:avLst/>
@@ -5612,148 +5661,199 @@
           <a:noFill/>
         </p:spPr>
         <p:txBody>
-          <a:bodyPr wrap="square" rtlCol="0">
+          <a:bodyPr wrap="none" rtlCol="0">
             <a:spAutoFit/>
           </a:bodyPr>
           <a:lstStyle/>
           <a:p>
-            <a:endParaRPr lang="en-US" altLang="ko-KR" sz="3200" b="1" i="1" dirty="0" smtClean="0">
-              <a:latin typeface="HY엽서L" panose="02030600000101010101" pitchFamily="18" charset="-127"/>
-              <a:ea typeface="HY엽서L" panose="02030600000101010101" pitchFamily="18" charset="-127"/>
-            </a:endParaRPr>
-          </a:p>
-          <a:p>
-            <a:r>
-              <a:rPr lang="ko-KR" altLang="en-US" sz="3200" b="1" i="1" dirty="0">
-                <a:latin typeface="HY엽서L" panose="02030600000101010101" pitchFamily="18" charset="-127"/>
-                <a:ea typeface="HY엽서L" panose="02030600000101010101" pitchFamily="18" charset="-127"/>
-              </a:rPr>
-              <a:t>김승태 </a:t>
-            </a:r>
-            <a:r>
-              <a:rPr lang="en-US" altLang="ko-KR" sz="3200" b="1" i="1" dirty="0">
-                <a:latin typeface="HY엽서L" panose="02030600000101010101" pitchFamily="18" charset="-127"/>
-                <a:ea typeface="HY엽서L" panose="02030600000101010101" pitchFamily="18" charset="-127"/>
-              </a:rPr>
-              <a:t>·  </a:t>
-            </a:r>
-            <a:r>
-              <a:rPr lang="ko-KR" altLang="en-US" sz="3200" b="1" i="1" dirty="0">
-                <a:latin typeface="HY엽서L" panose="02030600000101010101" pitchFamily="18" charset="-127"/>
-                <a:ea typeface="HY엽서L" panose="02030600000101010101" pitchFamily="18" charset="-127"/>
-              </a:rPr>
-              <a:t>강산 </a:t>
-            </a:r>
-            <a:r>
-              <a:rPr lang="ko-KR" altLang="en-US" sz="3200" b="1" i="1" dirty="0" smtClean="0">
-                <a:latin typeface="HY엽서L" panose="02030600000101010101" pitchFamily="18" charset="-127"/>
-                <a:ea typeface="HY엽서L" panose="02030600000101010101" pitchFamily="18" charset="-127"/>
-              </a:rPr>
-              <a:t> 선배님    </a:t>
-            </a:r>
-            <a:r>
-              <a:rPr lang="en-US" altLang="ko-KR" sz="3200" b="1" i="1" dirty="0" smtClean="0">
-                <a:latin typeface="HY엽서L" panose="02030600000101010101" pitchFamily="18" charset="-127"/>
-                <a:ea typeface="HY엽서L" panose="02030600000101010101" pitchFamily="18" charset="-127"/>
-              </a:rPr>
-              <a:t>for MIDI shield</a:t>
-            </a:r>
-          </a:p>
-          <a:p>
-            <a:endParaRPr lang="en-US" altLang="ko-KR" sz="3200" b="1" i="1" dirty="0" smtClean="0">
-              <a:latin typeface="HY엽서L" panose="02030600000101010101" pitchFamily="18" charset="-127"/>
-              <a:ea typeface="HY엽서L" panose="02030600000101010101" pitchFamily="18" charset="-127"/>
-            </a:endParaRPr>
-          </a:p>
-          <a:p>
-            <a:r>
-              <a:rPr lang="ko-KR" altLang="en-US" sz="3200" b="1" i="1" dirty="0" err="1">
-                <a:latin typeface="HY엽서L" panose="02030600000101010101" pitchFamily="18" charset="-127"/>
-                <a:ea typeface="HY엽서L" panose="02030600000101010101" pitchFamily="18" charset="-127"/>
-              </a:rPr>
-              <a:t>백윤기</a:t>
-            </a:r>
-            <a:r>
-              <a:rPr lang="ko-KR" altLang="en-US" sz="3200" b="1" i="1" dirty="0">
-                <a:latin typeface="HY엽서L" panose="02030600000101010101" pitchFamily="18" charset="-127"/>
-                <a:ea typeface="HY엽서L" panose="02030600000101010101" pitchFamily="18" charset="-127"/>
-              </a:rPr>
+            <a:pPr>
+              <a:buFont typeface="Arial" pitchFamily="34" charset="0"/>
+              <a:buChar char="•"/>
+            </a:pPr>
+            <a:r>
+              <a:rPr lang="ko-KR" altLang="en-US" sz="1900" dirty="0" smtClean="0"/>
               <a:t> </a:t>
             </a:r>
             <a:r>
-              <a:rPr lang="en-US" altLang="ko-KR" sz="3200" b="1" i="1" dirty="0">
-                <a:latin typeface="HY엽서L" panose="02030600000101010101" pitchFamily="18" charset="-127"/>
-                <a:ea typeface="HY엽서L" panose="02030600000101010101" pitchFamily="18" charset="-127"/>
-              </a:rPr>
-              <a:t>· </a:t>
-            </a:r>
-            <a:r>
-              <a:rPr lang="ko-KR" altLang="en-US" sz="3200" b="1" i="1" dirty="0" err="1">
-                <a:latin typeface="HY엽서L" panose="02030600000101010101" pitchFamily="18" charset="-127"/>
-                <a:ea typeface="HY엽서L" panose="02030600000101010101" pitchFamily="18" charset="-127"/>
-              </a:rPr>
-              <a:t>이석한</a:t>
-            </a:r>
-            <a:r>
-              <a:rPr lang="ko-KR" altLang="en-US" sz="3200" b="1" i="1" dirty="0">
-                <a:latin typeface="HY엽서L" panose="02030600000101010101" pitchFamily="18" charset="-127"/>
-                <a:ea typeface="HY엽서L" panose="02030600000101010101" pitchFamily="18" charset="-127"/>
-              </a:rPr>
-              <a:t>  </a:t>
-            </a:r>
-            <a:r>
-              <a:rPr lang="ko-KR" altLang="en-US" sz="3200" b="1" i="1" dirty="0" smtClean="0">
-                <a:latin typeface="HY엽서L" panose="02030600000101010101" pitchFamily="18" charset="-127"/>
-                <a:ea typeface="HY엽서L" panose="02030600000101010101" pitchFamily="18" charset="-127"/>
-              </a:rPr>
-              <a:t>동기</a:t>
-            </a:r>
-            <a:r>
-              <a:rPr lang="ko-KR" altLang="en-US" sz="3200" b="1" i="1" dirty="0">
-                <a:latin typeface="HY엽서L" panose="02030600000101010101" pitchFamily="18" charset="-127"/>
-                <a:ea typeface="HY엽서L" panose="02030600000101010101" pitchFamily="18" charset="-127"/>
-              </a:rPr>
-              <a:t>님</a:t>
-            </a:r>
-            <a:r>
-              <a:rPr lang="ko-KR" altLang="en-US" sz="3200" b="1" i="1" dirty="0" smtClean="0">
-                <a:latin typeface="HY엽서L" panose="02030600000101010101" pitchFamily="18" charset="-127"/>
-                <a:ea typeface="HY엽서L" panose="02030600000101010101" pitchFamily="18" charset="-127"/>
-              </a:rPr>
-              <a:t>  </a:t>
-            </a:r>
-            <a:r>
-              <a:rPr lang="en-US" altLang="ko-KR" sz="3200" b="1" i="1" dirty="0" smtClean="0">
-                <a:latin typeface="HY엽서L" panose="02030600000101010101" pitchFamily="18" charset="-127"/>
-                <a:ea typeface="HY엽서L" panose="02030600000101010101" pitchFamily="18" charset="-127"/>
-              </a:rPr>
-              <a:t>for speaker</a:t>
-            </a:r>
-            <a:endParaRPr lang="en-US" altLang="ko-KR" sz="3200" b="1" i="1" dirty="0">
-              <a:latin typeface="HY엽서L" panose="02030600000101010101" pitchFamily="18" charset="-127"/>
-              <a:ea typeface="HY엽서L" panose="02030600000101010101" pitchFamily="18" charset="-127"/>
-            </a:endParaRPr>
-          </a:p>
-          <a:p>
-            <a:endParaRPr lang="en-US" altLang="ko-KR" sz="1900" dirty="0">
-              <a:latin typeface="HY엽서L" panose="02030600000101010101" pitchFamily="18" charset="-127"/>
-              <a:ea typeface="HY엽서L" panose="02030600000101010101" pitchFamily="18" charset="-127"/>
-            </a:endParaRPr>
+              <a:rPr lang="ko-KR" altLang="en-US" sz="1900" dirty="0"/>
+              <a:t> </a:t>
+            </a:r>
+            <a:r>
+              <a:rPr lang="ko-KR" altLang="en-US" sz="1900" dirty="0" smtClean="0"/>
+              <a:t>배송 지연</a:t>
+            </a:r>
+            <a:r>
+              <a:rPr lang="en-US" altLang="ko-KR" sz="1900" dirty="0" smtClean="0"/>
+              <a:t> </a:t>
+            </a:r>
+          </a:p>
+          <a:p>
+            <a:r>
+              <a:rPr lang="en-US" altLang="ko-KR" sz="1900" dirty="0" smtClean="0"/>
+              <a:t>-&gt; </a:t>
+            </a:r>
+            <a:r>
+              <a:rPr lang="ko-KR" altLang="en-US" sz="1900" dirty="0" smtClean="0"/>
+              <a:t>터치 </a:t>
+            </a:r>
+            <a:r>
+              <a:rPr lang="ko-KR" altLang="en-US" sz="1900" dirty="0" smtClean="0"/>
+              <a:t>센서가 </a:t>
+            </a:r>
+            <a:r>
+              <a:rPr lang="ko-KR" altLang="en-US" sz="1900" dirty="0" smtClean="0"/>
+              <a:t>늦게 도착하고</a:t>
+            </a:r>
+            <a:r>
+              <a:rPr lang="en-US" altLang="ko-KR" sz="1900" dirty="0" smtClean="0"/>
+              <a:t>, </a:t>
+            </a:r>
+            <a:r>
+              <a:rPr lang="ko-KR" altLang="en-US" sz="1900" dirty="0" smtClean="0"/>
+              <a:t>미디 </a:t>
+            </a:r>
+            <a:r>
+              <a:rPr lang="ko-KR" altLang="en-US" sz="1900" dirty="0" err="1" smtClean="0"/>
+              <a:t>쉴드도</a:t>
+            </a:r>
+            <a:r>
+              <a:rPr lang="ko-KR" altLang="en-US" sz="1900" dirty="0" smtClean="0"/>
+              <a:t> 지인을 통해 입수함</a:t>
+            </a:r>
+            <a:r>
+              <a:rPr lang="en-US" altLang="ko-KR" sz="1900" dirty="0" smtClean="0"/>
+              <a:t>.</a:t>
+            </a:r>
+          </a:p>
+          <a:p>
+            <a:r>
+              <a:rPr lang="en-US" altLang="ko-KR" sz="1900" dirty="0" smtClean="0"/>
+              <a:t>     </a:t>
+            </a:r>
+            <a:r>
+              <a:rPr lang="ko-KR" altLang="en-US" sz="1900" dirty="0" smtClean="0"/>
+              <a:t> 데모 영상을 위한 스피커도 도착하지 않아 지인을 통해 입수</a:t>
+            </a:r>
+            <a:r>
+              <a:rPr lang="en-US" altLang="ko-KR" sz="1900" dirty="0" smtClean="0"/>
+              <a:t>.</a:t>
+            </a:r>
           </a:p>
           <a:p>
             <a:endParaRPr lang="en-US" altLang="ko-KR" sz="1900" dirty="0"/>
           </a:p>
           <a:p>
+            <a:r>
+              <a:rPr lang="en-US" altLang="ko-KR" sz="1900" dirty="0" smtClean="0"/>
+              <a:t>    </a:t>
+            </a:r>
+            <a:r>
+              <a:rPr lang="ko-KR" altLang="en-US" sz="1900" dirty="0" smtClean="0"/>
+              <a:t>코드를 분석하고 구현할 기능을 계속 알아보았지만</a:t>
+            </a:r>
+            <a:r>
+              <a:rPr lang="en-US" altLang="ko-KR" sz="1900" dirty="0" smtClean="0"/>
+              <a:t>, </a:t>
+            </a:r>
+            <a:r>
+              <a:rPr lang="ko-KR" altLang="en-US" sz="1900" dirty="0" smtClean="0"/>
+              <a:t>부품이 없는 상태에서는 </a:t>
+            </a:r>
             <a:endParaRPr lang="en-US" altLang="ko-KR" sz="1900" dirty="0" smtClean="0"/>
           </a:p>
+          <a:p>
+            <a:r>
+              <a:rPr lang="en-US" altLang="ko-KR" sz="1900" dirty="0"/>
+              <a:t> </a:t>
+            </a:r>
+            <a:r>
+              <a:rPr lang="en-US" altLang="ko-KR" sz="1900" dirty="0" smtClean="0"/>
+              <a:t> </a:t>
+            </a:r>
+            <a:r>
+              <a:rPr lang="ko-KR" altLang="en-US" sz="1900" dirty="0" smtClean="0"/>
+              <a:t>확신이 없는 상태여서 한계가 있었음</a:t>
+            </a:r>
+            <a:r>
+              <a:rPr lang="en-US" altLang="ko-KR" sz="1900" dirty="0" smtClean="0"/>
+              <a:t>.</a:t>
+            </a:r>
+          </a:p>
+        </p:txBody>
+      </p:sp>
+      <p:sp>
+        <p:nvSpPr>
+          <p:cNvPr id="5" name="TextBox 4"/>
+          <p:cNvSpPr txBox="1"/>
+          <p:nvPr/>
+        </p:nvSpPr>
+        <p:spPr>
+          <a:xfrm>
+            <a:off x="29360" y="3922549"/>
+            <a:ext cx="7664278" cy="969496"/>
+          </a:xfrm>
+          <a:prstGeom prst="rect">
+            <a:avLst/>
+          </a:prstGeom>
+          <a:noFill/>
+        </p:spPr>
+        <p:txBody>
+          <a:bodyPr wrap="none" rtlCol="0">
+            <a:spAutoFit/>
+          </a:bodyPr>
+          <a:lstStyle/>
+          <a:p>
+            <a:pPr>
+              <a:buFont typeface="Arial" pitchFamily="34" charset="0"/>
+              <a:buChar char="•"/>
+            </a:pPr>
+            <a:r>
+              <a:rPr lang="ko-KR" altLang="en-US" sz="1900" dirty="0" smtClean="0"/>
+              <a:t> </a:t>
+            </a:r>
+            <a:r>
+              <a:rPr lang="en-US" altLang="ko-KR" sz="1900" dirty="0" smtClean="0"/>
+              <a:t> </a:t>
+            </a:r>
+            <a:r>
+              <a:rPr lang="ko-KR" altLang="en-US" sz="1900" dirty="0" smtClean="0"/>
+              <a:t>단순한 기능</a:t>
+            </a:r>
+            <a:endParaRPr lang="en-US" altLang="ko-KR" sz="1900" dirty="0" smtClean="0"/>
+          </a:p>
+          <a:p>
+            <a:r>
+              <a:rPr lang="en-US" altLang="ko-KR" sz="1900" dirty="0" smtClean="0"/>
+              <a:t> -&gt;</a:t>
+            </a:r>
+            <a:r>
+              <a:rPr lang="ko-KR" altLang="en-US" sz="1900" dirty="0" smtClean="0"/>
+              <a:t> </a:t>
+            </a:r>
+            <a:r>
+              <a:rPr lang="ko-KR" altLang="en-US" sz="1900" dirty="0" err="1" smtClean="0"/>
+              <a:t>입력받은</a:t>
+            </a:r>
+            <a:r>
+              <a:rPr lang="ko-KR" altLang="en-US" sz="1900" dirty="0" smtClean="0"/>
+              <a:t> 신호를 스피커를 통해 출력하는 단순한 기능 밖에 없어서 </a:t>
+            </a:r>
+            <a:endParaRPr lang="en-US" altLang="ko-KR" sz="1900" dirty="0" smtClean="0"/>
+          </a:p>
+          <a:p>
+            <a:r>
+              <a:rPr lang="en-US" altLang="ko-KR" sz="1900" dirty="0"/>
+              <a:t> </a:t>
+            </a:r>
+            <a:r>
+              <a:rPr lang="ko-KR" altLang="en-US" sz="1900" dirty="0" smtClean="0"/>
+              <a:t>추가기능을 조사하고 추가함</a:t>
+            </a:r>
+            <a:endParaRPr lang="en-US" altLang="ko-KR" sz="1900" dirty="0" smtClean="0"/>
+          </a:p>
         </p:txBody>
       </p:sp>
     </p:spTree>
-    <p:extLst>
-      <p:ext uri="{BB962C8B-B14F-4D97-AF65-F5344CB8AC3E}">
-        <p14:creationId xmlns:p14="http://schemas.microsoft.com/office/powerpoint/2010/main" val="623476768"/>
-      </p:ext>
-    </p:extLst>
   </p:cSld>
   <p:clrMapOvr>
     <a:masterClrMapping/>
